--- a/powerpoint/Presentation_Final.pptx
+++ b/powerpoint/Presentation_Final.pptx
@@ -248,7 +248,7 @@
           <a:p>
             <a:fld id="{8AA807B4-561F-4196-A2BD-89B27DE483A7}" type="datetimeFigureOut">
               <a:rPr lang="en-US" smtClean="0"/>
-              <a:t>5/19/2016</a:t>
+              <a:t>5/20/2016</a:t>
             </a:fld>
             <a:endParaRPr lang="en-US"/>
           </a:p>
@@ -407,7 +407,7 @@
           <a:p>
             <a:fld id="{F9B9F26C-5E20-463A-A30E-4B3CD8C634F9}" type="slidenum">
               <a:rPr lang="en-US" smtClean="0"/>
-              <a:t>‹#›</a:t>
+              <a:t>‹N°›</a:t>
             </a:fld>
             <a:endParaRPr lang="en-US"/>
           </a:p>
@@ -8066,7 +8066,7 @@
             <a:fld id="{53074F12-AA26-4AC8-9962-C36BB8F32554}" type="datetimeFigureOut">
               <a:rPr lang="en-US" smtClean="0"/>
               <a:pPr/>
-              <a:t>5/19/2016</a:t>
+              <a:t>5/20/2016</a:t>
             </a:fld>
             <a:endParaRPr lang="en-US"/>
           </a:p>
@@ -8109,7 +8109,7 @@
             <a:fld id="{B82CCC60-E8CD-4174-8B1A-7DF615B22EEF}" type="slidenum">
               <a:rPr lang="en-US" smtClean="0"/>
               <a:pPr/>
-              <a:t>‹#›</a:t>
+              <a:t>‹N°›</a:t>
             </a:fld>
             <a:endParaRPr lang="en-US" dirty="0"/>
           </a:p>
@@ -8321,7 +8321,7 @@
             <a:fld id="{53074F12-AA26-4AC8-9962-C36BB8F32554}" type="datetimeFigureOut">
               <a:rPr lang="en-US" smtClean="0"/>
               <a:pPr/>
-              <a:t>5/19/2016</a:t>
+              <a:t>5/20/2016</a:t>
             </a:fld>
             <a:endParaRPr lang="en-US"/>
           </a:p>
@@ -8364,7 +8364,7 @@
             <a:fld id="{B82CCC60-E8CD-4174-8B1A-7DF615B22EEF}" type="slidenum">
               <a:rPr lang="en-US" smtClean="0"/>
               <a:pPr/>
-              <a:t>‹#›</a:t>
+              <a:t>‹N°›</a:t>
             </a:fld>
             <a:endParaRPr lang="en-US"/>
           </a:p>
@@ -8493,7 +8493,7 @@
             <a:fld id="{53074F12-AA26-4AC8-9962-C36BB8F32554}" type="datetimeFigureOut">
               <a:rPr lang="en-US" smtClean="0"/>
               <a:pPr/>
-              <a:t>5/19/2016</a:t>
+              <a:t>5/20/2016</a:t>
             </a:fld>
             <a:endParaRPr lang="en-US"/>
           </a:p>
@@ -8536,7 +8536,7 @@
             <a:fld id="{B82CCC60-E8CD-4174-8B1A-7DF615B22EEF}" type="slidenum">
               <a:rPr lang="en-US" smtClean="0"/>
               <a:pPr/>
-              <a:t>‹#›</a:t>
+              <a:t>‹N°›</a:t>
             </a:fld>
             <a:endParaRPr lang="en-US"/>
           </a:p>
@@ -8675,7 +8675,7 @@
             <a:fld id="{53074F12-AA26-4AC8-9962-C36BB8F32554}" type="datetimeFigureOut">
               <a:rPr lang="en-US" smtClean="0"/>
               <a:pPr/>
-              <a:t>5/19/2016</a:t>
+              <a:t>5/20/2016</a:t>
             </a:fld>
             <a:endParaRPr lang="en-US"/>
           </a:p>
@@ -8718,7 +8718,7 @@
             <a:fld id="{B82CCC60-E8CD-4174-8B1A-7DF615B22EEF}" type="slidenum">
               <a:rPr lang="en-US" smtClean="0"/>
               <a:pPr/>
-              <a:t>‹#›</a:t>
+              <a:t>‹N°›</a:t>
             </a:fld>
             <a:endParaRPr lang="en-US"/>
           </a:p>
@@ -8910,7 +8910,7 @@
             <a:fld id="{53074F12-AA26-4AC8-9962-C36BB8F32554}" type="datetimeFigureOut">
               <a:rPr lang="en-US" smtClean="0"/>
               <a:pPr/>
-              <a:t>5/19/2016</a:t>
+              <a:t>5/20/2016</a:t>
             </a:fld>
             <a:endParaRPr lang="en-US"/>
           </a:p>
@@ -8953,7 +8953,7 @@
             <a:fld id="{B82CCC60-E8CD-4174-8B1A-7DF615B22EEF}" type="slidenum">
               <a:rPr lang="en-US" smtClean="0"/>
               <a:pPr/>
-              <a:t>‹#›</a:t>
+              <a:t>‹N°›</a:t>
             </a:fld>
             <a:endParaRPr lang="en-US"/>
           </a:p>
@@ -9159,7 +9159,7 @@
             <a:fld id="{53074F12-AA26-4AC8-9962-C36BB8F32554}" type="datetimeFigureOut">
               <a:rPr lang="en-US" smtClean="0"/>
               <a:pPr/>
-              <a:t>5/19/2016</a:t>
+              <a:t>5/20/2016</a:t>
             </a:fld>
             <a:endParaRPr lang="en-US"/>
           </a:p>
@@ -9202,7 +9202,7 @@
             <a:fld id="{B82CCC60-E8CD-4174-8B1A-7DF615B22EEF}" type="slidenum">
               <a:rPr lang="en-US" smtClean="0"/>
               <a:pPr/>
-              <a:t>‹#›</a:t>
+              <a:t>‹N°›</a:t>
             </a:fld>
             <a:endParaRPr lang="en-US"/>
           </a:p>
@@ -9407,7 +9407,7 @@
             <a:fld id="{53074F12-AA26-4AC8-9962-C36BB8F32554}" type="datetimeFigureOut">
               <a:rPr lang="en-US" smtClean="0"/>
               <a:pPr/>
-              <a:t>5/19/2016</a:t>
+              <a:t>5/20/2016</a:t>
             </a:fld>
             <a:endParaRPr lang="en-US"/>
           </a:p>
@@ -9450,7 +9450,7 @@
             <a:fld id="{B82CCC60-E8CD-4174-8B1A-7DF615B22EEF}" type="slidenum">
               <a:rPr lang="en-US" smtClean="0"/>
               <a:pPr/>
-              <a:t>‹#›</a:t>
+              <a:t>‹N°›</a:t>
             </a:fld>
             <a:endParaRPr lang="en-US"/>
           </a:p>
@@ -9702,7 +9702,7 @@
             <a:fld id="{53074F12-AA26-4AC8-9962-C36BB8F32554}" type="datetimeFigureOut">
               <a:rPr lang="en-US" smtClean="0"/>
               <a:pPr/>
-              <a:t>5/19/2016</a:t>
+              <a:t>5/20/2016</a:t>
             </a:fld>
             <a:endParaRPr lang="en-US"/>
           </a:p>
@@ -9745,7 +9745,7 @@
             <a:fld id="{B82CCC60-E8CD-4174-8B1A-7DF615B22EEF}" type="slidenum">
               <a:rPr lang="en-US" smtClean="0"/>
               <a:pPr/>
-              <a:t>‹#›</a:t>
+              <a:t>‹N°›</a:t>
             </a:fld>
             <a:endParaRPr lang="en-US"/>
           </a:p>
@@ -10192,7 +10192,7 @@
             <a:fld id="{53074F12-AA26-4AC8-9962-C36BB8F32554}" type="datetimeFigureOut">
               <a:rPr lang="en-US" smtClean="0"/>
               <a:pPr/>
-              <a:t>5/19/2016</a:t>
+              <a:t>5/20/2016</a:t>
             </a:fld>
             <a:endParaRPr lang="en-US"/>
           </a:p>
@@ -10235,7 +10235,7 @@
             <a:fld id="{B82CCC60-E8CD-4174-8B1A-7DF615B22EEF}" type="slidenum">
               <a:rPr lang="en-US" smtClean="0"/>
               <a:pPr/>
-              <a:t>‹#›</a:t>
+              <a:t>‹N°›</a:t>
             </a:fld>
             <a:endParaRPr lang="en-US"/>
           </a:p>
@@ -10312,7 +10312,7 @@
             <a:fld id="{53074F12-AA26-4AC8-9962-C36BB8F32554}" type="datetimeFigureOut">
               <a:rPr lang="en-US" smtClean="0"/>
               <a:pPr/>
-              <a:t>5/19/2016</a:t>
+              <a:t>5/20/2016</a:t>
             </a:fld>
             <a:endParaRPr lang="en-US"/>
           </a:p>
@@ -10355,7 +10355,7 @@
             <a:fld id="{B82CCC60-E8CD-4174-8B1A-7DF615B22EEF}" type="slidenum">
               <a:rPr lang="en-US" smtClean="0"/>
               <a:pPr/>
-              <a:t>‹#›</a:t>
+              <a:t>‹N°›</a:t>
             </a:fld>
             <a:endParaRPr lang="en-US"/>
           </a:p>
@@ -10409,7 +10409,7 @@
             <a:fld id="{53074F12-AA26-4AC8-9962-C36BB8F32554}" type="datetimeFigureOut">
               <a:rPr lang="en-US" smtClean="0"/>
               <a:pPr/>
-              <a:t>5/19/2016</a:t>
+              <a:t>5/20/2016</a:t>
             </a:fld>
             <a:endParaRPr lang="en-US"/>
           </a:p>
@@ -10452,7 +10452,7 @@
             <a:fld id="{B82CCC60-E8CD-4174-8B1A-7DF615B22EEF}" type="slidenum">
               <a:rPr lang="en-US" smtClean="0"/>
               <a:pPr/>
-              <a:t>‹#›</a:t>
+              <a:t>‹N°›</a:t>
             </a:fld>
             <a:endParaRPr lang="en-US"/>
           </a:p>
@@ -10688,7 +10688,7 @@
             <a:fld id="{53074F12-AA26-4AC8-9962-C36BB8F32554}" type="datetimeFigureOut">
               <a:rPr lang="en-US" smtClean="0"/>
               <a:pPr/>
-              <a:t>5/19/2016</a:t>
+              <a:t>5/20/2016</a:t>
             </a:fld>
             <a:endParaRPr lang="en-US"/>
           </a:p>
@@ -10731,7 +10731,7 @@
             <a:fld id="{B82CCC60-E8CD-4174-8B1A-7DF615B22EEF}" type="slidenum">
               <a:rPr lang="en-US" smtClean="0"/>
               <a:pPr/>
-              <a:t>‹#›</a:t>
+              <a:t>‹N°›</a:t>
             </a:fld>
             <a:endParaRPr lang="en-US"/>
           </a:p>
@@ -10912,7 +10912,7 @@
             <a:fld id="{53074F12-AA26-4AC8-9962-C36BB8F32554}" type="datetimeFigureOut">
               <a:rPr lang="en-US" smtClean="0"/>
               <a:pPr/>
-              <a:t>5/19/2016</a:t>
+              <a:t>5/20/2016</a:t>
             </a:fld>
             <a:endParaRPr lang="en-US"/>
           </a:p>
@@ -10991,7 +10991,7 @@
             <a:fld id="{B82CCC60-E8CD-4174-8B1A-7DF615B22EEF}" type="slidenum">
               <a:rPr lang="en-US" smtClean="0"/>
               <a:pPr/>
-              <a:t>‹#›</a:t>
+              <a:t>‹N°›</a:t>
             </a:fld>
             <a:endParaRPr lang="en-US"/>
           </a:p>
